--- a/Patron_500mm_X_full.pptx
+++ b/Patron_500mm_X_full.pptx
@@ -3120,7 +3120,7 @@
         </p:blipFill>
         <p:spPr>
           <a:xfrm>
-            <a:off x="-1417320" y="-4480560"/>
+            <a:off x="-1417320" y="-4572000"/>
             <a:ext cx="11612880" cy="11612880"/>
           </a:xfrm>
           <a:prstGeom prst="rect">
@@ -3162,7 +3162,7 @@
         </p:blipFill>
         <p:spPr>
           <a:xfrm>
-            <a:off x="-1417320" y="-4480560"/>
+            <a:off x="-1417320" y="-4572000"/>
             <a:ext cx="11612880" cy="11612880"/>
           </a:xfrm>
           <a:prstGeom prst="rect">
@@ -3204,7 +3204,7 @@
         </p:blipFill>
         <p:spPr>
           <a:xfrm>
-            <a:off x="-1417320" y="-4480560"/>
+            <a:off x="-1417320" y="-4572000"/>
             <a:ext cx="11612880" cy="11612880"/>
           </a:xfrm>
           <a:prstGeom prst="rect">
@@ -3246,7 +3246,7 @@
         </p:blipFill>
         <p:spPr>
           <a:xfrm>
-            <a:off x="-1417320" y="-4480560"/>
+            <a:off x="-1417320" y="-4572000"/>
             <a:ext cx="11612880" cy="11612880"/>
           </a:xfrm>
           <a:prstGeom prst="rect">
@@ -3288,7 +3288,7 @@
         </p:blipFill>
         <p:spPr>
           <a:xfrm>
-            <a:off x="-1417320" y="-4480560"/>
+            <a:off x="-1417320" y="-4572000"/>
             <a:ext cx="11612880" cy="11612880"/>
           </a:xfrm>
           <a:prstGeom prst="rect">
@@ -3330,7 +3330,7 @@
         </p:blipFill>
         <p:spPr>
           <a:xfrm>
-            <a:off x="-1417320" y="-4480560"/>
+            <a:off x="-1417320" y="-4572000"/>
             <a:ext cx="11612880" cy="11612880"/>
           </a:xfrm>
           <a:prstGeom prst="rect">
@@ -3372,7 +3372,7 @@
         </p:blipFill>
         <p:spPr>
           <a:xfrm>
-            <a:off x="-1417320" y="-4480560"/>
+            <a:off x="-1417320" y="-4572000"/>
             <a:ext cx="11612880" cy="11612880"/>
           </a:xfrm>
           <a:prstGeom prst="rect">
@@ -3414,7 +3414,7 @@
         </p:blipFill>
         <p:spPr>
           <a:xfrm>
-            <a:off x="-1417320" y="-4480560"/>
+            <a:off x="-1417320" y="-4572000"/>
             <a:ext cx="11612880" cy="11612880"/>
           </a:xfrm>
           <a:prstGeom prst="rect">
@@ -3456,7 +3456,7 @@
         </p:blipFill>
         <p:spPr>
           <a:xfrm>
-            <a:off x="-1417320" y="-4480560"/>
+            <a:off x="-1417320" y="-4572000"/>
             <a:ext cx="11612880" cy="11612880"/>
           </a:xfrm>
           <a:prstGeom prst="rect">
@@ -3498,7 +3498,7 @@
         </p:blipFill>
         <p:spPr>
           <a:xfrm>
-            <a:off x="-1417320" y="-4480560"/>
+            <a:off x="-1417320" y="-4572000"/>
             <a:ext cx="11612880" cy="11612880"/>
           </a:xfrm>
           <a:prstGeom prst="rect">
@@ -3540,7 +3540,7 @@
         </p:blipFill>
         <p:spPr>
           <a:xfrm>
-            <a:off x="-1417320" y="-4480560"/>
+            <a:off x="-1417320" y="-4572000"/>
             <a:ext cx="11612880" cy="11612880"/>
           </a:xfrm>
           <a:prstGeom prst="rect">
@@ -3582,7 +3582,7 @@
         </p:blipFill>
         <p:spPr>
           <a:xfrm>
-            <a:off x="-1417320" y="-4480560"/>
+            <a:off x="-1417320" y="-4572000"/>
             <a:ext cx="11612880" cy="11612880"/>
           </a:xfrm>
           <a:prstGeom prst="rect">
@@ -3624,7 +3624,7 @@
         </p:blipFill>
         <p:spPr>
           <a:xfrm>
-            <a:off x="-1417320" y="-4480560"/>
+            <a:off x="-1417320" y="-4572000"/>
             <a:ext cx="11612880" cy="11612880"/>
           </a:xfrm>
           <a:prstGeom prst="rect">
@@ -3666,7 +3666,7 @@
         </p:blipFill>
         <p:spPr>
           <a:xfrm>
-            <a:off x="-1417320" y="-4480560"/>
+            <a:off x="-1417320" y="-4572000"/>
             <a:ext cx="11612880" cy="11612880"/>
           </a:xfrm>
           <a:prstGeom prst="rect">
@@ -3708,7 +3708,7 @@
         </p:blipFill>
         <p:spPr>
           <a:xfrm>
-            <a:off x="-1417320" y="-4480560"/>
+            <a:off x="-1417320" y="-4572000"/>
             <a:ext cx="11612880" cy="11612880"/>
           </a:xfrm>
           <a:prstGeom prst="rect">
@@ -3750,7 +3750,7 @@
         </p:blipFill>
         <p:spPr>
           <a:xfrm>
-            <a:off x="-1417320" y="-4480560"/>
+            <a:off x="-1417320" y="-4572000"/>
             <a:ext cx="11612880" cy="11612880"/>
           </a:xfrm>
           <a:prstGeom prst="rect">
@@ -3792,7 +3792,7 @@
         </p:blipFill>
         <p:spPr>
           <a:xfrm>
-            <a:off x="-1417320" y="-4480560"/>
+            <a:off x="-1417320" y="-4572000"/>
             <a:ext cx="11612880" cy="11612880"/>
           </a:xfrm>
           <a:prstGeom prst="rect">
